--- a/ppt 16-9/1136.我家在天.pptx
+++ b/ppt 16-9/1136.我家在天.pptx
@@ -5,7 +5,7 @@
     <p:sldMasterId id="2147483648" r:id="rId1"/>
   </p:sldMasterIdLst>
   <p:sldIdLst>
-    <p:sldId id="621" r:id="rId2"/>
+    <p:sldId id="622" r:id="rId2"/>
   </p:sldIdLst>
   <p:sldSz cx="12192000" cy="6858000"/>
   <p:notesSz cx="6858000" cy="9144000"/>
@@ -129,7 +129,7 @@
           <p:cNvPr id="2" name="标题 1">
             <a:extLst>
               <a:ext uri="{FF2B5EF4-FFF2-40B4-BE49-F238E27FC236}">
-                <a16:creationId xmlns:a16="http://schemas.microsoft.com/office/drawing/2014/main" id="{52402360-BBBB-D25D-1F88-6B2309E6CB65}"/>
+                <a16:creationId xmlns:a16="http://schemas.microsoft.com/office/drawing/2014/main" id="{D197B740-1042-67AE-341A-8EEA1C2C74B4}"/>
               </a:ext>
             </a:extLst>
           </p:cNvPr>
@@ -166,7 +166,7 @@
           <p:cNvPr id="3" name="副标题 2">
             <a:extLst>
               <a:ext uri="{FF2B5EF4-FFF2-40B4-BE49-F238E27FC236}">
-                <a16:creationId xmlns:a16="http://schemas.microsoft.com/office/drawing/2014/main" id="{FDCF40A6-7784-96B0-7EA3-FFDD1D2E7BAC}"/>
+                <a16:creationId xmlns:a16="http://schemas.microsoft.com/office/drawing/2014/main" id="{820E3639-17BD-1FD2-3B47-1E81740F0AB6}"/>
               </a:ext>
             </a:extLst>
           </p:cNvPr>
@@ -236,7 +236,7 @@
           <p:cNvPr id="4" name="日期占位符 3">
             <a:extLst>
               <a:ext uri="{FF2B5EF4-FFF2-40B4-BE49-F238E27FC236}">
-                <a16:creationId xmlns:a16="http://schemas.microsoft.com/office/drawing/2014/main" id="{829A6E31-F0A5-E8AA-98E7-0FAE21F6D28E}"/>
+                <a16:creationId xmlns:a16="http://schemas.microsoft.com/office/drawing/2014/main" id="{C44FD9E5-69D3-1066-3875-F1BCA3CC18DF}"/>
               </a:ext>
             </a:extLst>
           </p:cNvPr>
@@ -252,7 +252,7 @@
           <a:bodyPr/>
           <a:lstStyle/>
           <a:p>
-            <a:fld id="{B06AA770-E13D-4EFF-9DD9-6F6FC124FFBE}" type="datetimeFigureOut">
+            <a:fld id="{EA18AB48-CBA3-4469-AD29-B95CBA5600CE}" type="datetimeFigureOut">
               <a:rPr lang="zh-CN" altLang="en-US" smtClean="0"/>
               <a:t>2024/3/10</a:t>
             </a:fld>
@@ -265,7 +265,7 @@
           <p:cNvPr id="5" name="页脚占位符 4">
             <a:extLst>
               <a:ext uri="{FF2B5EF4-FFF2-40B4-BE49-F238E27FC236}">
-                <a16:creationId xmlns:a16="http://schemas.microsoft.com/office/drawing/2014/main" id="{D4988331-70D8-CA61-FAC0-3806A57CB37E}"/>
+                <a16:creationId xmlns:a16="http://schemas.microsoft.com/office/drawing/2014/main" id="{E394E929-A46C-A659-5ECB-3AB9C93353B0}"/>
               </a:ext>
             </a:extLst>
           </p:cNvPr>
@@ -290,7 +290,7 @@
           <p:cNvPr id="6" name="灯片编号占位符 5">
             <a:extLst>
               <a:ext uri="{FF2B5EF4-FFF2-40B4-BE49-F238E27FC236}">
-                <a16:creationId xmlns:a16="http://schemas.microsoft.com/office/drawing/2014/main" id="{25836450-D854-58EA-4806-9438523A43C1}"/>
+                <a16:creationId xmlns:a16="http://schemas.microsoft.com/office/drawing/2014/main" id="{27EC5DC5-5412-3F95-2453-D27FB4B7FEAB}"/>
               </a:ext>
             </a:extLst>
           </p:cNvPr>
@@ -306,7 +306,7 @@
           <a:bodyPr/>
           <a:lstStyle/>
           <a:p>
-            <a:fld id="{01FB4C4A-BDA1-47B6-A91F-384090CF4F35}" type="slidenum">
+            <a:fld id="{3D825A25-C6BB-436A-81E1-8BF98D59112F}" type="slidenum">
               <a:rPr lang="zh-CN" altLang="en-US" smtClean="0"/>
               <a:t>‹#›</a:t>
             </a:fld>
@@ -317,7 +317,7 @@
     </p:spTree>
     <p:extLst>
       <p:ext uri="{BB962C8B-B14F-4D97-AF65-F5344CB8AC3E}">
-        <p14:creationId xmlns:p14="http://schemas.microsoft.com/office/powerpoint/2010/main" val="284961277"/>
+        <p14:creationId xmlns:p14="http://schemas.microsoft.com/office/powerpoint/2010/main" val="3146006710"/>
       </p:ext>
     </p:extLst>
   </p:cSld>
@@ -349,7 +349,7 @@
           <p:cNvPr id="2" name="标题 1">
             <a:extLst>
               <a:ext uri="{FF2B5EF4-FFF2-40B4-BE49-F238E27FC236}">
-                <a16:creationId xmlns:a16="http://schemas.microsoft.com/office/drawing/2014/main" id="{794BA794-1471-23E9-A862-1A3E6B0D2373}"/>
+                <a16:creationId xmlns:a16="http://schemas.microsoft.com/office/drawing/2014/main" id="{EE49F8B1-8D9D-9603-47D1-9C74C526E14B}"/>
               </a:ext>
             </a:extLst>
           </p:cNvPr>
@@ -377,7 +377,7 @@
           <p:cNvPr id="3" name="竖排文字占位符 2">
             <a:extLst>
               <a:ext uri="{FF2B5EF4-FFF2-40B4-BE49-F238E27FC236}">
-                <a16:creationId xmlns:a16="http://schemas.microsoft.com/office/drawing/2014/main" id="{D2924170-6922-FCCA-B2F2-603DB1720E02}"/>
+                <a16:creationId xmlns:a16="http://schemas.microsoft.com/office/drawing/2014/main" id="{EF2D5020-6B92-C615-AE0E-094A29BE43E7}"/>
               </a:ext>
             </a:extLst>
           </p:cNvPr>
@@ -434,7 +434,7 @@
           <p:cNvPr id="4" name="日期占位符 3">
             <a:extLst>
               <a:ext uri="{FF2B5EF4-FFF2-40B4-BE49-F238E27FC236}">
-                <a16:creationId xmlns:a16="http://schemas.microsoft.com/office/drawing/2014/main" id="{B0EDA022-6A6D-AF2C-973D-8C50EDD28743}"/>
+                <a16:creationId xmlns:a16="http://schemas.microsoft.com/office/drawing/2014/main" id="{F38FD791-4D27-6D20-6430-29B275DDAE0C}"/>
               </a:ext>
             </a:extLst>
           </p:cNvPr>
@@ -450,7 +450,7 @@
           <a:bodyPr/>
           <a:lstStyle/>
           <a:p>
-            <a:fld id="{B06AA770-E13D-4EFF-9DD9-6F6FC124FFBE}" type="datetimeFigureOut">
+            <a:fld id="{EA18AB48-CBA3-4469-AD29-B95CBA5600CE}" type="datetimeFigureOut">
               <a:rPr lang="zh-CN" altLang="en-US" smtClean="0"/>
               <a:t>2024/3/10</a:t>
             </a:fld>
@@ -463,7 +463,7 @@
           <p:cNvPr id="5" name="页脚占位符 4">
             <a:extLst>
               <a:ext uri="{FF2B5EF4-FFF2-40B4-BE49-F238E27FC236}">
-                <a16:creationId xmlns:a16="http://schemas.microsoft.com/office/drawing/2014/main" id="{817FE017-F855-EDD6-CC8D-AC8D45D717FD}"/>
+                <a16:creationId xmlns:a16="http://schemas.microsoft.com/office/drawing/2014/main" id="{ECD47F17-E1D2-0040-CF8E-9272D00CA5B0}"/>
               </a:ext>
             </a:extLst>
           </p:cNvPr>
@@ -488,7 +488,7 @@
           <p:cNvPr id="6" name="灯片编号占位符 5">
             <a:extLst>
               <a:ext uri="{FF2B5EF4-FFF2-40B4-BE49-F238E27FC236}">
-                <a16:creationId xmlns:a16="http://schemas.microsoft.com/office/drawing/2014/main" id="{296A9C51-21EA-E3A7-585E-5EBFD4546B65}"/>
+                <a16:creationId xmlns:a16="http://schemas.microsoft.com/office/drawing/2014/main" id="{90D5152E-6B91-6345-718F-611C8C6B0171}"/>
               </a:ext>
             </a:extLst>
           </p:cNvPr>
@@ -504,7 +504,7 @@
           <a:bodyPr/>
           <a:lstStyle/>
           <a:p>
-            <a:fld id="{01FB4C4A-BDA1-47B6-A91F-384090CF4F35}" type="slidenum">
+            <a:fld id="{3D825A25-C6BB-436A-81E1-8BF98D59112F}" type="slidenum">
               <a:rPr lang="zh-CN" altLang="en-US" smtClean="0"/>
               <a:t>‹#›</a:t>
             </a:fld>
@@ -515,7 +515,7 @@
     </p:spTree>
     <p:extLst>
       <p:ext uri="{BB962C8B-B14F-4D97-AF65-F5344CB8AC3E}">
-        <p14:creationId xmlns:p14="http://schemas.microsoft.com/office/powerpoint/2010/main" val="2492035302"/>
+        <p14:creationId xmlns:p14="http://schemas.microsoft.com/office/powerpoint/2010/main" val="3903271195"/>
       </p:ext>
     </p:extLst>
   </p:cSld>
@@ -547,7 +547,7 @@
           <p:cNvPr id="2" name="竖排标题 1">
             <a:extLst>
               <a:ext uri="{FF2B5EF4-FFF2-40B4-BE49-F238E27FC236}">
-                <a16:creationId xmlns:a16="http://schemas.microsoft.com/office/drawing/2014/main" id="{CCC116B6-FB74-7FD0-2D9E-19B6CBBB49F9}"/>
+                <a16:creationId xmlns:a16="http://schemas.microsoft.com/office/drawing/2014/main" id="{7BD15EBF-4FA5-FC85-BBE4-746706100488}"/>
               </a:ext>
             </a:extLst>
           </p:cNvPr>
@@ -580,7 +580,7 @@
           <p:cNvPr id="3" name="竖排文字占位符 2">
             <a:extLst>
               <a:ext uri="{FF2B5EF4-FFF2-40B4-BE49-F238E27FC236}">
-                <a16:creationId xmlns:a16="http://schemas.microsoft.com/office/drawing/2014/main" id="{1B473B42-0090-DCD8-1EA2-235508CCF26A}"/>
+                <a16:creationId xmlns:a16="http://schemas.microsoft.com/office/drawing/2014/main" id="{E59D4D26-F8E7-4641-8EB4-34B0FFD261EF}"/>
               </a:ext>
             </a:extLst>
           </p:cNvPr>
@@ -642,7 +642,7 @@
           <p:cNvPr id="4" name="日期占位符 3">
             <a:extLst>
               <a:ext uri="{FF2B5EF4-FFF2-40B4-BE49-F238E27FC236}">
-                <a16:creationId xmlns:a16="http://schemas.microsoft.com/office/drawing/2014/main" id="{4BADBF00-3C93-FA58-19AD-66E5B94F0F32}"/>
+                <a16:creationId xmlns:a16="http://schemas.microsoft.com/office/drawing/2014/main" id="{31279DFB-21CA-A27E-E716-05CECAB61472}"/>
               </a:ext>
             </a:extLst>
           </p:cNvPr>
@@ -658,7 +658,7 @@
           <a:bodyPr/>
           <a:lstStyle/>
           <a:p>
-            <a:fld id="{B06AA770-E13D-4EFF-9DD9-6F6FC124FFBE}" type="datetimeFigureOut">
+            <a:fld id="{EA18AB48-CBA3-4469-AD29-B95CBA5600CE}" type="datetimeFigureOut">
               <a:rPr lang="zh-CN" altLang="en-US" smtClean="0"/>
               <a:t>2024/3/10</a:t>
             </a:fld>
@@ -671,7 +671,7 @@
           <p:cNvPr id="5" name="页脚占位符 4">
             <a:extLst>
               <a:ext uri="{FF2B5EF4-FFF2-40B4-BE49-F238E27FC236}">
-                <a16:creationId xmlns:a16="http://schemas.microsoft.com/office/drawing/2014/main" id="{B86BC012-06E8-6808-0186-7979671BB261}"/>
+                <a16:creationId xmlns:a16="http://schemas.microsoft.com/office/drawing/2014/main" id="{09634AC9-95ED-9A71-F7B2-BEF0ECB0EAF7}"/>
               </a:ext>
             </a:extLst>
           </p:cNvPr>
@@ -696,7 +696,7 @@
           <p:cNvPr id="6" name="灯片编号占位符 5">
             <a:extLst>
               <a:ext uri="{FF2B5EF4-FFF2-40B4-BE49-F238E27FC236}">
-                <a16:creationId xmlns:a16="http://schemas.microsoft.com/office/drawing/2014/main" id="{CDA72A2D-1FF8-A028-8665-6192B4542EA6}"/>
+                <a16:creationId xmlns:a16="http://schemas.microsoft.com/office/drawing/2014/main" id="{E735FFC5-29C5-A4AC-DBD6-28EDFB935F2A}"/>
               </a:ext>
             </a:extLst>
           </p:cNvPr>
@@ -712,7 +712,7 @@
           <a:bodyPr/>
           <a:lstStyle/>
           <a:p>
-            <a:fld id="{01FB4C4A-BDA1-47B6-A91F-384090CF4F35}" type="slidenum">
+            <a:fld id="{3D825A25-C6BB-436A-81E1-8BF98D59112F}" type="slidenum">
               <a:rPr lang="zh-CN" altLang="en-US" smtClean="0"/>
               <a:t>‹#›</a:t>
             </a:fld>
@@ -723,7 +723,7 @@
     </p:spTree>
     <p:extLst>
       <p:ext uri="{BB962C8B-B14F-4D97-AF65-F5344CB8AC3E}">
-        <p14:creationId xmlns:p14="http://schemas.microsoft.com/office/powerpoint/2010/main" val="251684738"/>
+        <p14:creationId xmlns:p14="http://schemas.microsoft.com/office/powerpoint/2010/main" val="1823619554"/>
       </p:ext>
     </p:extLst>
   </p:cSld>
@@ -755,7 +755,7 @@
           <p:cNvPr id="2" name="标题 1">
             <a:extLst>
               <a:ext uri="{FF2B5EF4-FFF2-40B4-BE49-F238E27FC236}">
-                <a16:creationId xmlns:a16="http://schemas.microsoft.com/office/drawing/2014/main" id="{93AD56C9-0E5E-4D53-31D2-4DBFABFC86CF}"/>
+                <a16:creationId xmlns:a16="http://schemas.microsoft.com/office/drawing/2014/main" id="{4EC33CBF-0ABA-5BC8-B7C5-6E5EC6E8E63D}"/>
               </a:ext>
             </a:extLst>
           </p:cNvPr>
@@ -783,7 +783,7 @@
           <p:cNvPr id="3" name="内容占位符 2">
             <a:extLst>
               <a:ext uri="{FF2B5EF4-FFF2-40B4-BE49-F238E27FC236}">
-                <a16:creationId xmlns:a16="http://schemas.microsoft.com/office/drawing/2014/main" id="{0258B41A-9C74-375C-C48C-88D9E7DAA843}"/>
+                <a16:creationId xmlns:a16="http://schemas.microsoft.com/office/drawing/2014/main" id="{B6E054C2-8B0B-669E-79B3-65384561A87C}"/>
               </a:ext>
             </a:extLst>
           </p:cNvPr>
@@ -840,7 +840,7 @@
           <p:cNvPr id="4" name="日期占位符 3">
             <a:extLst>
               <a:ext uri="{FF2B5EF4-FFF2-40B4-BE49-F238E27FC236}">
-                <a16:creationId xmlns:a16="http://schemas.microsoft.com/office/drawing/2014/main" id="{F21E65D2-AD16-10E1-FD06-92910EFB513F}"/>
+                <a16:creationId xmlns:a16="http://schemas.microsoft.com/office/drawing/2014/main" id="{26FBC6FE-4B0A-C03D-AB82-73D7E85AE551}"/>
               </a:ext>
             </a:extLst>
           </p:cNvPr>
@@ -856,7 +856,7 @@
           <a:bodyPr/>
           <a:lstStyle/>
           <a:p>
-            <a:fld id="{B06AA770-E13D-4EFF-9DD9-6F6FC124FFBE}" type="datetimeFigureOut">
+            <a:fld id="{EA18AB48-CBA3-4469-AD29-B95CBA5600CE}" type="datetimeFigureOut">
               <a:rPr lang="zh-CN" altLang="en-US" smtClean="0"/>
               <a:t>2024/3/10</a:t>
             </a:fld>
@@ -869,7 +869,7 @@
           <p:cNvPr id="5" name="页脚占位符 4">
             <a:extLst>
               <a:ext uri="{FF2B5EF4-FFF2-40B4-BE49-F238E27FC236}">
-                <a16:creationId xmlns:a16="http://schemas.microsoft.com/office/drawing/2014/main" id="{8F72EFA1-4301-A77F-6119-3F955DDF22FE}"/>
+                <a16:creationId xmlns:a16="http://schemas.microsoft.com/office/drawing/2014/main" id="{2B6EC957-E0BD-B661-6A3A-5A6E397CE2FC}"/>
               </a:ext>
             </a:extLst>
           </p:cNvPr>
@@ -894,7 +894,7 @@
           <p:cNvPr id="6" name="灯片编号占位符 5">
             <a:extLst>
               <a:ext uri="{FF2B5EF4-FFF2-40B4-BE49-F238E27FC236}">
-                <a16:creationId xmlns:a16="http://schemas.microsoft.com/office/drawing/2014/main" id="{40E8BE6C-547E-74FA-8AA1-B0BDC89BFE0F}"/>
+                <a16:creationId xmlns:a16="http://schemas.microsoft.com/office/drawing/2014/main" id="{EF22B7C8-8318-62E9-491F-7A7E530AFBDC}"/>
               </a:ext>
             </a:extLst>
           </p:cNvPr>
@@ -910,7 +910,7 @@
           <a:bodyPr/>
           <a:lstStyle/>
           <a:p>
-            <a:fld id="{01FB4C4A-BDA1-47B6-A91F-384090CF4F35}" type="slidenum">
+            <a:fld id="{3D825A25-C6BB-436A-81E1-8BF98D59112F}" type="slidenum">
               <a:rPr lang="zh-CN" altLang="en-US" smtClean="0"/>
               <a:t>‹#›</a:t>
             </a:fld>
@@ -921,7 +921,7 @@
     </p:spTree>
     <p:extLst>
       <p:ext uri="{BB962C8B-B14F-4D97-AF65-F5344CB8AC3E}">
-        <p14:creationId xmlns:p14="http://schemas.microsoft.com/office/powerpoint/2010/main" val="2815271448"/>
+        <p14:creationId xmlns:p14="http://schemas.microsoft.com/office/powerpoint/2010/main" val="533067564"/>
       </p:ext>
     </p:extLst>
   </p:cSld>
@@ -953,7 +953,7 @@
           <p:cNvPr id="2" name="标题 1">
             <a:extLst>
               <a:ext uri="{FF2B5EF4-FFF2-40B4-BE49-F238E27FC236}">
-                <a16:creationId xmlns:a16="http://schemas.microsoft.com/office/drawing/2014/main" id="{3F3C52B7-140D-DE94-D497-8EAA096500C5}"/>
+                <a16:creationId xmlns:a16="http://schemas.microsoft.com/office/drawing/2014/main" id="{9DDE335C-5F03-6F86-F063-A0DCED2408DF}"/>
               </a:ext>
             </a:extLst>
           </p:cNvPr>
@@ -990,7 +990,7 @@
           <p:cNvPr id="3" name="文本占位符 2">
             <a:extLst>
               <a:ext uri="{FF2B5EF4-FFF2-40B4-BE49-F238E27FC236}">
-                <a16:creationId xmlns:a16="http://schemas.microsoft.com/office/drawing/2014/main" id="{51C40B5C-508F-86E8-CD6B-6319E61B20C2}"/>
+                <a16:creationId xmlns:a16="http://schemas.microsoft.com/office/drawing/2014/main" id="{348D403B-1131-5AC0-2BF8-9989A219D57F}"/>
               </a:ext>
             </a:extLst>
           </p:cNvPr>
@@ -1115,7 +1115,7 @@
           <p:cNvPr id="4" name="日期占位符 3">
             <a:extLst>
               <a:ext uri="{FF2B5EF4-FFF2-40B4-BE49-F238E27FC236}">
-                <a16:creationId xmlns:a16="http://schemas.microsoft.com/office/drawing/2014/main" id="{49D84BD3-0FC5-D4F7-772F-198349C859C8}"/>
+                <a16:creationId xmlns:a16="http://schemas.microsoft.com/office/drawing/2014/main" id="{58A9D59E-F80A-6958-1FB9-735B4CA2271B}"/>
               </a:ext>
             </a:extLst>
           </p:cNvPr>
@@ -1131,7 +1131,7 @@
           <a:bodyPr/>
           <a:lstStyle/>
           <a:p>
-            <a:fld id="{B06AA770-E13D-4EFF-9DD9-6F6FC124FFBE}" type="datetimeFigureOut">
+            <a:fld id="{EA18AB48-CBA3-4469-AD29-B95CBA5600CE}" type="datetimeFigureOut">
               <a:rPr lang="zh-CN" altLang="en-US" smtClean="0"/>
               <a:t>2024/3/10</a:t>
             </a:fld>
@@ -1144,7 +1144,7 @@
           <p:cNvPr id="5" name="页脚占位符 4">
             <a:extLst>
               <a:ext uri="{FF2B5EF4-FFF2-40B4-BE49-F238E27FC236}">
-                <a16:creationId xmlns:a16="http://schemas.microsoft.com/office/drawing/2014/main" id="{877B3F5F-F7E0-93F9-CC68-649228B8ED04}"/>
+                <a16:creationId xmlns:a16="http://schemas.microsoft.com/office/drawing/2014/main" id="{BEA06EA5-4EC6-0F4B-6698-FBC11451EFAB}"/>
               </a:ext>
             </a:extLst>
           </p:cNvPr>
@@ -1169,7 +1169,7 @@
           <p:cNvPr id="6" name="灯片编号占位符 5">
             <a:extLst>
               <a:ext uri="{FF2B5EF4-FFF2-40B4-BE49-F238E27FC236}">
-                <a16:creationId xmlns:a16="http://schemas.microsoft.com/office/drawing/2014/main" id="{C5CAF070-2F55-C286-10E0-6F62DE60B227}"/>
+                <a16:creationId xmlns:a16="http://schemas.microsoft.com/office/drawing/2014/main" id="{CC85CFD5-3BCD-957A-AD12-0C7D84DD00E4}"/>
               </a:ext>
             </a:extLst>
           </p:cNvPr>
@@ -1185,7 +1185,7 @@
           <a:bodyPr/>
           <a:lstStyle/>
           <a:p>
-            <a:fld id="{01FB4C4A-BDA1-47B6-A91F-384090CF4F35}" type="slidenum">
+            <a:fld id="{3D825A25-C6BB-436A-81E1-8BF98D59112F}" type="slidenum">
               <a:rPr lang="zh-CN" altLang="en-US" smtClean="0"/>
               <a:t>‹#›</a:t>
             </a:fld>
@@ -1196,7 +1196,7 @@
     </p:spTree>
     <p:extLst>
       <p:ext uri="{BB962C8B-B14F-4D97-AF65-F5344CB8AC3E}">
-        <p14:creationId xmlns:p14="http://schemas.microsoft.com/office/powerpoint/2010/main" val="335224914"/>
+        <p14:creationId xmlns:p14="http://schemas.microsoft.com/office/powerpoint/2010/main" val="1323144096"/>
       </p:ext>
     </p:extLst>
   </p:cSld>
@@ -1228,7 +1228,7 @@
           <p:cNvPr id="2" name="标题 1">
             <a:extLst>
               <a:ext uri="{FF2B5EF4-FFF2-40B4-BE49-F238E27FC236}">
-                <a16:creationId xmlns:a16="http://schemas.microsoft.com/office/drawing/2014/main" id="{B4D259A9-6DDD-4AE0-8EC0-294DC643CA94}"/>
+                <a16:creationId xmlns:a16="http://schemas.microsoft.com/office/drawing/2014/main" id="{FFB799F6-5139-0528-A136-631D97C6110E}"/>
               </a:ext>
             </a:extLst>
           </p:cNvPr>
@@ -1256,7 +1256,7 @@
           <p:cNvPr id="3" name="内容占位符 2">
             <a:extLst>
               <a:ext uri="{FF2B5EF4-FFF2-40B4-BE49-F238E27FC236}">
-                <a16:creationId xmlns:a16="http://schemas.microsoft.com/office/drawing/2014/main" id="{B3EDF0DA-F832-8F51-6AAF-84051D59D9C2}"/>
+                <a16:creationId xmlns:a16="http://schemas.microsoft.com/office/drawing/2014/main" id="{AE42E448-B076-88CD-4722-4ADFCAFD16F4}"/>
               </a:ext>
             </a:extLst>
           </p:cNvPr>
@@ -1318,7 +1318,7 @@
           <p:cNvPr id="4" name="内容占位符 3">
             <a:extLst>
               <a:ext uri="{FF2B5EF4-FFF2-40B4-BE49-F238E27FC236}">
-                <a16:creationId xmlns:a16="http://schemas.microsoft.com/office/drawing/2014/main" id="{0B6A0A45-9ADE-8C56-C335-E41946BE78D6}"/>
+                <a16:creationId xmlns:a16="http://schemas.microsoft.com/office/drawing/2014/main" id="{3726371B-949D-2B4E-710A-7FA1072C88EA}"/>
               </a:ext>
             </a:extLst>
           </p:cNvPr>
@@ -1380,7 +1380,7 @@
           <p:cNvPr id="5" name="日期占位符 4">
             <a:extLst>
               <a:ext uri="{FF2B5EF4-FFF2-40B4-BE49-F238E27FC236}">
-                <a16:creationId xmlns:a16="http://schemas.microsoft.com/office/drawing/2014/main" id="{1F27A896-8562-D6D8-8A23-67C6D51F6768}"/>
+                <a16:creationId xmlns:a16="http://schemas.microsoft.com/office/drawing/2014/main" id="{03699B27-9A37-CB03-5722-084898742B45}"/>
               </a:ext>
             </a:extLst>
           </p:cNvPr>
@@ -1396,7 +1396,7 @@
           <a:bodyPr/>
           <a:lstStyle/>
           <a:p>
-            <a:fld id="{B06AA770-E13D-4EFF-9DD9-6F6FC124FFBE}" type="datetimeFigureOut">
+            <a:fld id="{EA18AB48-CBA3-4469-AD29-B95CBA5600CE}" type="datetimeFigureOut">
               <a:rPr lang="zh-CN" altLang="en-US" smtClean="0"/>
               <a:t>2024/3/10</a:t>
             </a:fld>
@@ -1409,7 +1409,7 @@
           <p:cNvPr id="6" name="页脚占位符 5">
             <a:extLst>
               <a:ext uri="{FF2B5EF4-FFF2-40B4-BE49-F238E27FC236}">
-                <a16:creationId xmlns:a16="http://schemas.microsoft.com/office/drawing/2014/main" id="{85BA694E-1F18-312B-A696-90BB87938380}"/>
+                <a16:creationId xmlns:a16="http://schemas.microsoft.com/office/drawing/2014/main" id="{840D82D8-515F-05A6-4901-87A349FD469D}"/>
               </a:ext>
             </a:extLst>
           </p:cNvPr>
@@ -1434,7 +1434,7 @@
           <p:cNvPr id="7" name="灯片编号占位符 6">
             <a:extLst>
               <a:ext uri="{FF2B5EF4-FFF2-40B4-BE49-F238E27FC236}">
-                <a16:creationId xmlns:a16="http://schemas.microsoft.com/office/drawing/2014/main" id="{94AC92A1-C7AC-7553-1EBA-3D0696F6AC98}"/>
+                <a16:creationId xmlns:a16="http://schemas.microsoft.com/office/drawing/2014/main" id="{E9BE6AA2-0C34-A072-FE77-D6F798ECA8FB}"/>
               </a:ext>
             </a:extLst>
           </p:cNvPr>
@@ -1450,7 +1450,7 @@
           <a:bodyPr/>
           <a:lstStyle/>
           <a:p>
-            <a:fld id="{01FB4C4A-BDA1-47B6-A91F-384090CF4F35}" type="slidenum">
+            <a:fld id="{3D825A25-C6BB-436A-81E1-8BF98D59112F}" type="slidenum">
               <a:rPr lang="zh-CN" altLang="en-US" smtClean="0"/>
               <a:t>‹#›</a:t>
             </a:fld>
@@ -1461,7 +1461,7 @@
     </p:spTree>
     <p:extLst>
       <p:ext uri="{BB962C8B-B14F-4D97-AF65-F5344CB8AC3E}">
-        <p14:creationId xmlns:p14="http://schemas.microsoft.com/office/powerpoint/2010/main" val="3267205178"/>
+        <p14:creationId xmlns:p14="http://schemas.microsoft.com/office/powerpoint/2010/main" val="1543151666"/>
       </p:ext>
     </p:extLst>
   </p:cSld>
@@ -1493,7 +1493,7 @@
           <p:cNvPr id="2" name="标题 1">
             <a:extLst>
               <a:ext uri="{FF2B5EF4-FFF2-40B4-BE49-F238E27FC236}">
-                <a16:creationId xmlns:a16="http://schemas.microsoft.com/office/drawing/2014/main" id="{341BC6AD-4597-10FF-D8D9-9DD10DB78898}"/>
+                <a16:creationId xmlns:a16="http://schemas.microsoft.com/office/drawing/2014/main" id="{98CBDC28-73F3-2998-396E-914E8A3A5402}"/>
               </a:ext>
             </a:extLst>
           </p:cNvPr>
@@ -1526,7 +1526,7 @@
           <p:cNvPr id="3" name="文本占位符 2">
             <a:extLst>
               <a:ext uri="{FF2B5EF4-FFF2-40B4-BE49-F238E27FC236}">
-                <a16:creationId xmlns:a16="http://schemas.microsoft.com/office/drawing/2014/main" id="{A52362B9-D002-6784-91C1-0C0134BD7FDF}"/>
+                <a16:creationId xmlns:a16="http://schemas.microsoft.com/office/drawing/2014/main" id="{1C2EEC4A-0AF2-7929-0338-E12BE495647D}"/>
               </a:ext>
             </a:extLst>
           </p:cNvPr>
@@ -1597,7 +1597,7 @@
           <p:cNvPr id="4" name="内容占位符 3">
             <a:extLst>
               <a:ext uri="{FF2B5EF4-FFF2-40B4-BE49-F238E27FC236}">
-                <a16:creationId xmlns:a16="http://schemas.microsoft.com/office/drawing/2014/main" id="{A9683C42-8C9A-E4FB-CFD6-E79C0A89B72C}"/>
+                <a16:creationId xmlns:a16="http://schemas.microsoft.com/office/drawing/2014/main" id="{AAC21309-E326-F02A-D9D1-9EFBCDF60DCB}"/>
               </a:ext>
             </a:extLst>
           </p:cNvPr>
@@ -1659,7 +1659,7 @@
           <p:cNvPr id="5" name="文本占位符 4">
             <a:extLst>
               <a:ext uri="{FF2B5EF4-FFF2-40B4-BE49-F238E27FC236}">
-                <a16:creationId xmlns:a16="http://schemas.microsoft.com/office/drawing/2014/main" id="{7344B198-3ED7-6093-DBE3-A60A2566A4D6}"/>
+                <a16:creationId xmlns:a16="http://schemas.microsoft.com/office/drawing/2014/main" id="{6504C152-1100-5B94-CAE3-B74DA42325A9}"/>
               </a:ext>
             </a:extLst>
           </p:cNvPr>
@@ -1730,7 +1730,7 @@
           <p:cNvPr id="6" name="内容占位符 5">
             <a:extLst>
               <a:ext uri="{FF2B5EF4-FFF2-40B4-BE49-F238E27FC236}">
-                <a16:creationId xmlns:a16="http://schemas.microsoft.com/office/drawing/2014/main" id="{11554299-AF1E-B516-76B9-9F92FCABDB07}"/>
+                <a16:creationId xmlns:a16="http://schemas.microsoft.com/office/drawing/2014/main" id="{2B8732D2-CECD-8A93-0C4A-77B22C02A3C2}"/>
               </a:ext>
             </a:extLst>
           </p:cNvPr>
@@ -1792,7 +1792,7 @@
           <p:cNvPr id="7" name="日期占位符 6">
             <a:extLst>
               <a:ext uri="{FF2B5EF4-FFF2-40B4-BE49-F238E27FC236}">
-                <a16:creationId xmlns:a16="http://schemas.microsoft.com/office/drawing/2014/main" id="{012E8071-485D-9029-87A6-02C3DEB76A5F}"/>
+                <a16:creationId xmlns:a16="http://schemas.microsoft.com/office/drawing/2014/main" id="{0E781FE6-5838-FC57-F9E3-E1FF2A12F2B8}"/>
               </a:ext>
             </a:extLst>
           </p:cNvPr>
@@ -1808,7 +1808,7 @@
           <a:bodyPr/>
           <a:lstStyle/>
           <a:p>
-            <a:fld id="{B06AA770-E13D-4EFF-9DD9-6F6FC124FFBE}" type="datetimeFigureOut">
+            <a:fld id="{EA18AB48-CBA3-4469-AD29-B95CBA5600CE}" type="datetimeFigureOut">
               <a:rPr lang="zh-CN" altLang="en-US" smtClean="0"/>
               <a:t>2024/3/10</a:t>
             </a:fld>
@@ -1821,7 +1821,7 @@
           <p:cNvPr id="8" name="页脚占位符 7">
             <a:extLst>
               <a:ext uri="{FF2B5EF4-FFF2-40B4-BE49-F238E27FC236}">
-                <a16:creationId xmlns:a16="http://schemas.microsoft.com/office/drawing/2014/main" id="{2017C555-88EF-E0F4-CAFE-79B52EFC8F99}"/>
+                <a16:creationId xmlns:a16="http://schemas.microsoft.com/office/drawing/2014/main" id="{C600CA0B-EFCC-5F36-35D1-48CC1B67EB84}"/>
               </a:ext>
             </a:extLst>
           </p:cNvPr>
@@ -1846,7 +1846,7 @@
           <p:cNvPr id="9" name="灯片编号占位符 8">
             <a:extLst>
               <a:ext uri="{FF2B5EF4-FFF2-40B4-BE49-F238E27FC236}">
-                <a16:creationId xmlns:a16="http://schemas.microsoft.com/office/drawing/2014/main" id="{DE9E8C5B-2526-4FC0-D247-194E90540DD5}"/>
+                <a16:creationId xmlns:a16="http://schemas.microsoft.com/office/drawing/2014/main" id="{F163794B-5E9C-198E-F3D4-DE3348A39DF5}"/>
               </a:ext>
             </a:extLst>
           </p:cNvPr>
@@ -1862,7 +1862,7 @@
           <a:bodyPr/>
           <a:lstStyle/>
           <a:p>
-            <a:fld id="{01FB4C4A-BDA1-47B6-A91F-384090CF4F35}" type="slidenum">
+            <a:fld id="{3D825A25-C6BB-436A-81E1-8BF98D59112F}" type="slidenum">
               <a:rPr lang="zh-CN" altLang="en-US" smtClean="0"/>
               <a:t>‹#›</a:t>
             </a:fld>
@@ -1873,7 +1873,7 @@
     </p:spTree>
     <p:extLst>
       <p:ext uri="{BB962C8B-B14F-4D97-AF65-F5344CB8AC3E}">
-        <p14:creationId xmlns:p14="http://schemas.microsoft.com/office/powerpoint/2010/main" val="4133336861"/>
+        <p14:creationId xmlns:p14="http://schemas.microsoft.com/office/powerpoint/2010/main" val="2103828088"/>
       </p:ext>
     </p:extLst>
   </p:cSld>
@@ -1905,7 +1905,7 @@
           <p:cNvPr id="2" name="标题 1">
             <a:extLst>
               <a:ext uri="{FF2B5EF4-FFF2-40B4-BE49-F238E27FC236}">
-                <a16:creationId xmlns:a16="http://schemas.microsoft.com/office/drawing/2014/main" id="{B55BC798-7160-8882-7C28-13E18EA832E7}"/>
+                <a16:creationId xmlns:a16="http://schemas.microsoft.com/office/drawing/2014/main" id="{19428CE0-ACBB-5A00-D9C3-C7C97DD1F6B7}"/>
               </a:ext>
             </a:extLst>
           </p:cNvPr>
@@ -1933,7 +1933,7 @@
           <p:cNvPr id="3" name="日期占位符 2">
             <a:extLst>
               <a:ext uri="{FF2B5EF4-FFF2-40B4-BE49-F238E27FC236}">
-                <a16:creationId xmlns:a16="http://schemas.microsoft.com/office/drawing/2014/main" id="{8EEAEBE0-1F43-8EE8-F0BE-EA6A13D3D714}"/>
+                <a16:creationId xmlns:a16="http://schemas.microsoft.com/office/drawing/2014/main" id="{48B8572C-7A93-7FCE-3795-631847CC3DAB}"/>
               </a:ext>
             </a:extLst>
           </p:cNvPr>
@@ -1949,7 +1949,7 @@
           <a:bodyPr/>
           <a:lstStyle/>
           <a:p>
-            <a:fld id="{B06AA770-E13D-4EFF-9DD9-6F6FC124FFBE}" type="datetimeFigureOut">
+            <a:fld id="{EA18AB48-CBA3-4469-AD29-B95CBA5600CE}" type="datetimeFigureOut">
               <a:rPr lang="zh-CN" altLang="en-US" smtClean="0"/>
               <a:t>2024/3/10</a:t>
             </a:fld>
@@ -1962,7 +1962,7 @@
           <p:cNvPr id="4" name="页脚占位符 3">
             <a:extLst>
               <a:ext uri="{FF2B5EF4-FFF2-40B4-BE49-F238E27FC236}">
-                <a16:creationId xmlns:a16="http://schemas.microsoft.com/office/drawing/2014/main" id="{E8EAD356-AC3B-6D4A-F14B-08C5C713B92B}"/>
+                <a16:creationId xmlns:a16="http://schemas.microsoft.com/office/drawing/2014/main" id="{34D33215-2BC5-3245-2564-925410769EBC}"/>
               </a:ext>
             </a:extLst>
           </p:cNvPr>
@@ -1987,7 +1987,7 @@
           <p:cNvPr id="5" name="灯片编号占位符 4">
             <a:extLst>
               <a:ext uri="{FF2B5EF4-FFF2-40B4-BE49-F238E27FC236}">
-                <a16:creationId xmlns:a16="http://schemas.microsoft.com/office/drawing/2014/main" id="{3C421599-759C-4050-1C7D-EE11705745DC}"/>
+                <a16:creationId xmlns:a16="http://schemas.microsoft.com/office/drawing/2014/main" id="{FF7D1A27-2C9B-A442-D2B9-717BF933B01D}"/>
               </a:ext>
             </a:extLst>
           </p:cNvPr>
@@ -2003,7 +2003,7 @@
           <a:bodyPr/>
           <a:lstStyle/>
           <a:p>
-            <a:fld id="{01FB4C4A-BDA1-47B6-A91F-384090CF4F35}" type="slidenum">
+            <a:fld id="{3D825A25-C6BB-436A-81E1-8BF98D59112F}" type="slidenum">
               <a:rPr lang="zh-CN" altLang="en-US" smtClean="0"/>
               <a:t>‹#›</a:t>
             </a:fld>
@@ -2014,7 +2014,7 @@
     </p:spTree>
     <p:extLst>
       <p:ext uri="{BB962C8B-B14F-4D97-AF65-F5344CB8AC3E}">
-        <p14:creationId xmlns:p14="http://schemas.microsoft.com/office/powerpoint/2010/main" val="1628413399"/>
+        <p14:creationId xmlns:p14="http://schemas.microsoft.com/office/powerpoint/2010/main" val="934878609"/>
       </p:ext>
     </p:extLst>
   </p:cSld>
@@ -2046,7 +2046,7 @@
           <p:cNvPr id="2" name="日期占位符 1">
             <a:extLst>
               <a:ext uri="{FF2B5EF4-FFF2-40B4-BE49-F238E27FC236}">
-                <a16:creationId xmlns:a16="http://schemas.microsoft.com/office/drawing/2014/main" id="{2F9A8860-9E23-395E-81FC-F872F358C5F3}"/>
+                <a16:creationId xmlns:a16="http://schemas.microsoft.com/office/drawing/2014/main" id="{6D10C609-893C-8778-6603-5D9BA4991901}"/>
               </a:ext>
             </a:extLst>
           </p:cNvPr>
@@ -2062,7 +2062,7 @@
           <a:bodyPr/>
           <a:lstStyle/>
           <a:p>
-            <a:fld id="{B06AA770-E13D-4EFF-9DD9-6F6FC124FFBE}" type="datetimeFigureOut">
+            <a:fld id="{EA18AB48-CBA3-4469-AD29-B95CBA5600CE}" type="datetimeFigureOut">
               <a:rPr lang="zh-CN" altLang="en-US" smtClean="0"/>
               <a:t>2024/3/10</a:t>
             </a:fld>
@@ -2075,7 +2075,7 @@
           <p:cNvPr id="3" name="页脚占位符 2">
             <a:extLst>
               <a:ext uri="{FF2B5EF4-FFF2-40B4-BE49-F238E27FC236}">
-                <a16:creationId xmlns:a16="http://schemas.microsoft.com/office/drawing/2014/main" id="{F28CA08B-7870-38AC-D238-4E88791EC739}"/>
+                <a16:creationId xmlns:a16="http://schemas.microsoft.com/office/drawing/2014/main" id="{BA93D873-227D-6E85-320C-161BA6E01E97}"/>
               </a:ext>
             </a:extLst>
           </p:cNvPr>
@@ -2100,7 +2100,7 @@
           <p:cNvPr id="4" name="灯片编号占位符 3">
             <a:extLst>
               <a:ext uri="{FF2B5EF4-FFF2-40B4-BE49-F238E27FC236}">
-                <a16:creationId xmlns:a16="http://schemas.microsoft.com/office/drawing/2014/main" id="{703DF20C-5327-184D-0196-C9A56BED2473}"/>
+                <a16:creationId xmlns:a16="http://schemas.microsoft.com/office/drawing/2014/main" id="{C50A34F1-E4BF-AD65-E072-A71EC4E7EB65}"/>
               </a:ext>
             </a:extLst>
           </p:cNvPr>
@@ -2116,7 +2116,7 @@
           <a:bodyPr/>
           <a:lstStyle/>
           <a:p>
-            <a:fld id="{01FB4C4A-BDA1-47B6-A91F-384090CF4F35}" type="slidenum">
+            <a:fld id="{3D825A25-C6BB-436A-81E1-8BF98D59112F}" type="slidenum">
               <a:rPr lang="zh-CN" altLang="en-US" smtClean="0"/>
               <a:t>‹#›</a:t>
             </a:fld>
@@ -2127,7 +2127,7 @@
     </p:spTree>
     <p:extLst>
       <p:ext uri="{BB962C8B-B14F-4D97-AF65-F5344CB8AC3E}">
-        <p14:creationId xmlns:p14="http://schemas.microsoft.com/office/powerpoint/2010/main" val="1763044864"/>
+        <p14:creationId xmlns:p14="http://schemas.microsoft.com/office/powerpoint/2010/main" val="916422629"/>
       </p:ext>
     </p:extLst>
   </p:cSld>
@@ -2159,7 +2159,7 @@
           <p:cNvPr id="2" name="标题 1">
             <a:extLst>
               <a:ext uri="{FF2B5EF4-FFF2-40B4-BE49-F238E27FC236}">
-                <a16:creationId xmlns:a16="http://schemas.microsoft.com/office/drawing/2014/main" id="{3F8E771C-6703-6734-BB28-2A2E326B7D2F}"/>
+                <a16:creationId xmlns:a16="http://schemas.microsoft.com/office/drawing/2014/main" id="{E0776E65-D7D6-BE93-D1A0-4B63A269695E}"/>
               </a:ext>
             </a:extLst>
           </p:cNvPr>
@@ -2196,7 +2196,7 @@
           <p:cNvPr id="3" name="内容占位符 2">
             <a:extLst>
               <a:ext uri="{FF2B5EF4-FFF2-40B4-BE49-F238E27FC236}">
-                <a16:creationId xmlns:a16="http://schemas.microsoft.com/office/drawing/2014/main" id="{D8CA823C-D463-7F16-7DBA-BC9916A75016}"/>
+                <a16:creationId xmlns:a16="http://schemas.microsoft.com/office/drawing/2014/main" id="{061B2EF1-A003-308D-ADD7-43E38E4B8DF8}"/>
               </a:ext>
             </a:extLst>
           </p:cNvPr>
@@ -2286,7 +2286,7 @@
           <p:cNvPr id="4" name="文本占位符 3">
             <a:extLst>
               <a:ext uri="{FF2B5EF4-FFF2-40B4-BE49-F238E27FC236}">
-                <a16:creationId xmlns:a16="http://schemas.microsoft.com/office/drawing/2014/main" id="{6B45B8CF-A1C5-160D-888C-4A67CDDF1DDF}"/>
+                <a16:creationId xmlns:a16="http://schemas.microsoft.com/office/drawing/2014/main" id="{695AAFBB-668A-D58A-E2D4-89F5CDF0AE43}"/>
               </a:ext>
             </a:extLst>
           </p:cNvPr>
@@ -2357,7 +2357,7 @@
           <p:cNvPr id="5" name="日期占位符 4">
             <a:extLst>
               <a:ext uri="{FF2B5EF4-FFF2-40B4-BE49-F238E27FC236}">
-                <a16:creationId xmlns:a16="http://schemas.microsoft.com/office/drawing/2014/main" id="{F76ED2CC-9662-E240-77BF-03841ACE546E}"/>
+                <a16:creationId xmlns:a16="http://schemas.microsoft.com/office/drawing/2014/main" id="{737107AB-0AC6-FB71-984D-9210208B9B47}"/>
               </a:ext>
             </a:extLst>
           </p:cNvPr>
@@ -2373,7 +2373,7 @@
           <a:bodyPr/>
           <a:lstStyle/>
           <a:p>
-            <a:fld id="{B06AA770-E13D-4EFF-9DD9-6F6FC124FFBE}" type="datetimeFigureOut">
+            <a:fld id="{EA18AB48-CBA3-4469-AD29-B95CBA5600CE}" type="datetimeFigureOut">
               <a:rPr lang="zh-CN" altLang="en-US" smtClean="0"/>
               <a:t>2024/3/10</a:t>
             </a:fld>
@@ -2386,7 +2386,7 @@
           <p:cNvPr id="6" name="页脚占位符 5">
             <a:extLst>
               <a:ext uri="{FF2B5EF4-FFF2-40B4-BE49-F238E27FC236}">
-                <a16:creationId xmlns:a16="http://schemas.microsoft.com/office/drawing/2014/main" id="{4D14DF80-56FC-4BCB-A7F5-264AA4A64DB7}"/>
+                <a16:creationId xmlns:a16="http://schemas.microsoft.com/office/drawing/2014/main" id="{C7279290-DF60-2489-9ED6-F29791D7F1A3}"/>
               </a:ext>
             </a:extLst>
           </p:cNvPr>
@@ -2411,7 +2411,7 @@
           <p:cNvPr id="7" name="灯片编号占位符 6">
             <a:extLst>
               <a:ext uri="{FF2B5EF4-FFF2-40B4-BE49-F238E27FC236}">
-                <a16:creationId xmlns:a16="http://schemas.microsoft.com/office/drawing/2014/main" id="{09E4C353-87B8-CA2B-99D0-F903C7C8CC3B}"/>
+                <a16:creationId xmlns:a16="http://schemas.microsoft.com/office/drawing/2014/main" id="{67B43940-B650-D85D-2427-F4643F7B7FD0}"/>
               </a:ext>
             </a:extLst>
           </p:cNvPr>
@@ -2427,7 +2427,7 @@
           <a:bodyPr/>
           <a:lstStyle/>
           <a:p>
-            <a:fld id="{01FB4C4A-BDA1-47B6-A91F-384090CF4F35}" type="slidenum">
+            <a:fld id="{3D825A25-C6BB-436A-81E1-8BF98D59112F}" type="slidenum">
               <a:rPr lang="zh-CN" altLang="en-US" smtClean="0"/>
               <a:t>‹#›</a:t>
             </a:fld>
@@ -2438,7 +2438,7 @@
     </p:spTree>
     <p:extLst>
       <p:ext uri="{BB962C8B-B14F-4D97-AF65-F5344CB8AC3E}">
-        <p14:creationId xmlns:p14="http://schemas.microsoft.com/office/powerpoint/2010/main" val="1004023221"/>
+        <p14:creationId xmlns:p14="http://schemas.microsoft.com/office/powerpoint/2010/main" val="3383697193"/>
       </p:ext>
     </p:extLst>
   </p:cSld>
@@ -2470,7 +2470,7 @@
           <p:cNvPr id="2" name="标题 1">
             <a:extLst>
               <a:ext uri="{FF2B5EF4-FFF2-40B4-BE49-F238E27FC236}">
-                <a16:creationId xmlns:a16="http://schemas.microsoft.com/office/drawing/2014/main" id="{97EAD585-8F5E-1C92-7B2F-47CD35009D2C}"/>
+                <a16:creationId xmlns:a16="http://schemas.microsoft.com/office/drawing/2014/main" id="{B2CA7A82-CB46-A6BF-0182-562648AB56FA}"/>
               </a:ext>
             </a:extLst>
           </p:cNvPr>
@@ -2507,7 +2507,7 @@
           <p:cNvPr id="3" name="图片占位符 2">
             <a:extLst>
               <a:ext uri="{FF2B5EF4-FFF2-40B4-BE49-F238E27FC236}">
-                <a16:creationId xmlns:a16="http://schemas.microsoft.com/office/drawing/2014/main" id="{BF8BAE2F-FE54-05FC-2227-49B9F9695D5A}"/>
+                <a16:creationId xmlns:a16="http://schemas.microsoft.com/office/drawing/2014/main" id="{C55B67E6-E35C-20A9-91CA-B67FA2F2CE9F}"/>
               </a:ext>
             </a:extLst>
           </p:cNvPr>
@@ -2574,7 +2574,7 @@
           <p:cNvPr id="4" name="文本占位符 3">
             <a:extLst>
               <a:ext uri="{FF2B5EF4-FFF2-40B4-BE49-F238E27FC236}">
-                <a16:creationId xmlns:a16="http://schemas.microsoft.com/office/drawing/2014/main" id="{BA29BE68-6850-B8A9-7098-356592F40788}"/>
+                <a16:creationId xmlns:a16="http://schemas.microsoft.com/office/drawing/2014/main" id="{9EACB6AB-DD36-50A8-D637-060BEBD8B932}"/>
               </a:ext>
             </a:extLst>
           </p:cNvPr>
@@ -2645,7 +2645,7 @@
           <p:cNvPr id="5" name="日期占位符 4">
             <a:extLst>
               <a:ext uri="{FF2B5EF4-FFF2-40B4-BE49-F238E27FC236}">
-                <a16:creationId xmlns:a16="http://schemas.microsoft.com/office/drawing/2014/main" id="{50F2FE27-BAC7-FB8D-F9A7-0B673ED497C8}"/>
+                <a16:creationId xmlns:a16="http://schemas.microsoft.com/office/drawing/2014/main" id="{6ED5EB63-66B9-EBFC-E652-D086B3E55564}"/>
               </a:ext>
             </a:extLst>
           </p:cNvPr>
@@ -2661,7 +2661,7 @@
           <a:bodyPr/>
           <a:lstStyle/>
           <a:p>
-            <a:fld id="{B06AA770-E13D-4EFF-9DD9-6F6FC124FFBE}" type="datetimeFigureOut">
+            <a:fld id="{EA18AB48-CBA3-4469-AD29-B95CBA5600CE}" type="datetimeFigureOut">
               <a:rPr lang="zh-CN" altLang="en-US" smtClean="0"/>
               <a:t>2024/3/10</a:t>
             </a:fld>
@@ -2674,7 +2674,7 @@
           <p:cNvPr id="6" name="页脚占位符 5">
             <a:extLst>
               <a:ext uri="{FF2B5EF4-FFF2-40B4-BE49-F238E27FC236}">
-                <a16:creationId xmlns:a16="http://schemas.microsoft.com/office/drawing/2014/main" id="{E4A17F76-752C-D16C-849F-90C4271C0D53}"/>
+                <a16:creationId xmlns:a16="http://schemas.microsoft.com/office/drawing/2014/main" id="{61373F8F-2784-B058-2D5F-7919EC845C68}"/>
               </a:ext>
             </a:extLst>
           </p:cNvPr>
@@ -2699,7 +2699,7 @@
           <p:cNvPr id="7" name="灯片编号占位符 6">
             <a:extLst>
               <a:ext uri="{FF2B5EF4-FFF2-40B4-BE49-F238E27FC236}">
-                <a16:creationId xmlns:a16="http://schemas.microsoft.com/office/drawing/2014/main" id="{F888A69D-E578-D189-A87C-8A5C1F064D09}"/>
+                <a16:creationId xmlns:a16="http://schemas.microsoft.com/office/drawing/2014/main" id="{FF25AEA9-1E44-53D7-CEDE-55F5AF1EB2EE}"/>
               </a:ext>
             </a:extLst>
           </p:cNvPr>
@@ -2715,7 +2715,7 @@
           <a:bodyPr/>
           <a:lstStyle/>
           <a:p>
-            <a:fld id="{01FB4C4A-BDA1-47B6-A91F-384090CF4F35}" type="slidenum">
+            <a:fld id="{3D825A25-C6BB-436A-81E1-8BF98D59112F}" type="slidenum">
               <a:rPr lang="zh-CN" altLang="en-US" smtClean="0"/>
               <a:t>‹#›</a:t>
             </a:fld>
@@ -2726,7 +2726,7 @@
     </p:spTree>
     <p:extLst>
       <p:ext uri="{BB962C8B-B14F-4D97-AF65-F5344CB8AC3E}">
-        <p14:creationId xmlns:p14="http://schemas.microsoft.com/office/powerpoint/2010/main" val="3979042705"/>
+        <p14:creationId xmlns:p14="http://schemas.microsoft.com/office/powerpoint/2010/main" val="1490766702"/>
       </p:ext>
     </p:extLst>
   </p:cSld>
@@ -2763,7 +2763,7 @@
           <p:cNvPr id="2" name="标题占位符 1">
             <a:extLst>
               <a:ext uri="{FF2B5EF4-FFF2-40B4-BE49-F238E27FC236}">
-                <a16:creationId xmlns:a16="http://schemas.microsoft.com/office/drawing/2014/main" id="{A677934E-6255-75DB-7F9F-1394EBBCAE8A}"/>
+                <a16:creationId xmlns:a16="http://schemas.microsoft.com/office/drawing/2014/main" id="{81A313B5-D3CF-0576-4DF4-280D2D72846E}"/>
               </a:ext>
             </a:extLst>
           </p:cNvPr>
@@ -2801,7 +2801,7 @@
           <p:cNvPr id="3" name="文本占位符 2">
             <a:extLst>
               <a:ext uri="{FF2B5EF4-FFF2-40B4-BE49-F238E27FC236}">
-                <a16:creationId xmlns:a16="http://schemas.microsoft.com/office/drawing/2014/main" id="{25C87C64-E295-11AC-D93F-8C3765134E3F}"/>
+                <a16:creationId xmlns:a16="http://schemas.microsoft.com/office/drawing/2014/main" id="{1E5C2DEE-090B-AB42-934A-7500A0EEE312}"/>
               </a:ext>
             </a:extLst>
           </p:cNvPr>
@@ -2868,7 +2868,7 @@
           <p:cNvPr id="4" name="日期占位符 3">
             <a:extLst>
               <a:ext uri="{FF2B5EF4-FFF2-40B4-BE49-F238E27FC236}">
-                <a16:creationId xmlns:a16="http://schemas.microsoft.com/office/drawing/2014/main" id="{75A6D5A6-0CA8-5636-F307-4D218256BBDF}"/>
+                <a16:creationId xmlns:a16="http://schemas.microsoft.com/office/drawing/2014/main" id="{60F042CA-171D-9537-3C62-D54A5F8C0763}"/>
               </a:ext>
             </a:extLst>
           </p:cNvPr>
@@ -2902,7 +2902,7 @@
             </a:lvl1pPr>
           </a:lstStyle>
           <a:p>
-            <a:fld id="{B06AA770-E13D-4EFF-9DD9-6F6FC124FFBE}" type="datetimeFigureOut">
+            <a:fld id="{EA18AB48-CBA3-4469-AD29-B95CBA5600CE}" type="datetimeFigureOut">
               <a:rPr lang="zh-CN" altLang="en-US" smtClean="0"/>
               <a:t>2024/3/10</a:t>
             </a:fld>
@@ -2915,7 +2915,7 @@
           <p:cNvPr id="5" name="页脚占位符 4">
             <a:extLst>
               <a:ext uri="{FF2B5EF4-FFF2-40B4-BE49-F238E27FC236}">
-                <a16:creationId xmlns:a16="http://schemas.microsoft.com/office/drawing/2014/main" id="{67E6D7E8-9FA8-A357-B82B-F7E1949B2160}"/>
+                <a16:creationId xmlns:a16="http://schemas.microsoft.com/office/drawing/2014/main" id="{3C9952BF-D63E-237F-B584-C7BE127F5804}"/>
               </a:ext>
             </a:extLst>
           </p:cNvPr>
@@ -2958,7 +2958,7 @@
           <p:cNvPr id="6" name="灯片编号占位符 5">
             <a:extLst>
               <a:ext uri="{FF2B5EF4-FFF2-40B4-BE49-F238E27FC236}">
-                <a16:creationId xmlns:a16="http://schemas.microsoft.com/office/drawing/2014/main" id="{EBED0050-F3B0-270A-AD7B-A3ED46A9DB1A}"/>
+                <a16:creationId xmlns:a16="http://schemas.microsoft.com/office/drawing/2014/main" id="{7F5A9EBA-EDF4-12E8-7071-8178D80285C5}"/>
               </a:ext>
             </a:extLst>
           </p:cNvPr>
@@ -2992,7 +2992,7 @@
             </a:lvl1pPr>
           </a:lstStyle>
           <a:p>
-            <a:fld id="{01FB4C4A-BDA1-47B6-A91F-384090CF4F35}" type="slidenum">
+            <a:fld id="{3D825A25-C6BB-436A-81E1-8BF98D59112F}" type="slidenum">
               <a:rPr lang="zh-CN" altLang="en-US" smtClean="0"/>
               <a:t>‹#›</a:t>
             </a:fld>
@@ -3003,7 +3003,7 @@
     </p:spTree>
     <p:extLst>
       <p:ext uri="{BB962C8B-B14F-4D97-AF65-F5344CB8AC3E}">
-        <p14:creationId xmlns:p14="http://schemas.microsoft.com/office/powerpoint/2010/main" val="3442392240"/>
+        <p14:creationId xmlns:p14="http://schemas.microsoft.com/office/powerpoint/2010/main" val="3585689872"/>
       </p:ext>
     </p:extLst>
   </p:cSld>
@@ -3323,7 +3323,7 @@
       </p:grpSpPr>
       <p:pic>
         <p:nvPicPr>
-          <p:cNvPr id="1163266" name="Picture 2" descr="1135"/>
+          <p:cNvPr id="1164290" name="Picture 2" descr="1136"/>
           <p:cNvPicPr>
             <a:picLocks noChangeAspect="1" noChangeArrowheads="1"/>
           </p:cNvPicPr>
@@ -3345,7 +3345,7 @@
         <p:spPr bwMode="auto">
           <a:xfrm>
             <a:off x="1524000" y="0"/>
-            <a:ext cx="9144000" cy="6858000"/>
+            <a:ext cx="9144000" cy="6237288"/>
           </a:xfrm>
           <a:prstGeom prst="rect">
             <a:avLst/>
